--- a/sns프로젝트_양준혁.pptx
+++ b/sns프로젝트_양준혁.pptx
@@ -16359,6 +16359,30 @@
           <a:p>
             <a:pPr algn="ctr"/>
             <a:r>
+              <a:rPr lang="ko-KR" altLang="en-US" sz="2400">
+                <a:solidFill>
+                  <a:schemeClr val="accent1">
+                    <a:lumMod val="75000"/>
+                  </a:schemeClr>
+                </a:solidFill>
+                <a:latin typeface="HY얕은샘물M" panose="02030600000101010101" pitchFamily="18" charset="-127"/>
+                <a:ea typeface="HY얕은샘물M" panose="02030600000101010101" pitchFamily="18" charset="-127"/>
+              </a:rPr>
+              <a:t>데이터베이스 설계</a:t>
+            </a:r>
+            <a:endParaRPr lang="en-US" altLang="ko-KR" sz="2400">
+              <a:solidFill>
+                <a:schemeClr val="accent1">
+                  <a:lumMod val="75000"/>
+                </a:schemeClr>
+              </a:solidFill>
+              <a:latin typeface="HY얕은샘물M" panose="02030600000101010101" pitchFamily="18" charset="-127"/>
+              <a:ea typeface="HY얕은샘물M" panose="02030600000101010101" pitchFamily="18" charset="-127"/>
+            </a:endParaRPr>
+          </a:p>
+          <a:p>
+            <a:pPr algn="ctr"/>
+            <a:r>
               <a:rPr lang="ko-KR" altLang="en-US" sz="2400" dirty="0">
                 <a:solidFill>
                   <a:schemeClr val="accent1">
@@ -16419,7 +16443,7 @@
           <a:p>
             <a:pPr algn="ctr"/>
             <a:r>
-              <a:rPr lang="ko-KR" altLang="en-US" sz="2400">
+              <a:rPr lang="ko-KR" altLang="en-US" sz="2400" dirty="0">
                 <a:solidFill>
                   <a:schemeClr val="accent1">
                     <a:lumMod val="75000"/>
